--- a/12-opakovani/cviceni-12.pptx
+++ b/12-opakovani/cviceni-12.pptx
@@ -843,7 +843,7 @@
             <a:fld id="{5586B75A-687E-405C-8A0B-8D00578BA2C3}" type="datetimeFigureOut">
               <a:rPr lang="en-US" smtClean="0"/>
               <a:pPr/>
-              <a:t>5/13/2021</a:t>
+              <a:t>12/14/2021</a:t>
             </a:fld>
             <a:endParaRPr lang="en-US" dirty="0"/>
           </a:p>
@@ -1096,7 +1096,7 @@
             <a:fld id="{5586B75A-687E-405C-8A0B-8D00578BA2C3}" type="datetimeFigureOut">
               <a:rPr lang="en-US" smtClean="0"/>
               <a:pPr/>
-              <a:t>5/13/2021</a:t>
+              <a:t>12/14/2021</a:t>
             </a:fld>
             <a:endParaRPr lang="en-US" dirty="0"/>
           </a:p>
@@ -1413,7 +1413,7 @@
             <a:fld id="{5586B75A-687E-405C-8A0B-8D00578BA2C3}" type="datetimeFigureOut">
               <a:rPr lang="en-US" smtClean="0"/>
               <a:pPr/>
-              <a:t>5/13/2021</a:t>
+              <a:t>12/14/2021</a:t>
             </a:fld>
             <a:endParaRPr lang="en-US" dirty="0"/>
           </a:p>
@@ -1743,7 +1743,7 @@
             <a:fld id="{5586B75A-687E-405C-8A0B-8D00578BA2C3}" type="datetimeFigureOut">
               <a:rPr lang="en-US" smtClean="0"/>
               <a:pPr/>
-              <a:t>5/13/2021</a:t>
+              <a:t>12/14/2021</a:t>
             </a:fld>
             <a:endParaRPr lang="en-US" dirty="0"/>
           </a:p>
@@ -2060,7 +2060,7 @@
             <a:fld id="{5586B75A-687E-405C-8A0B-8D00578BA2C3}" type="datetimeFigureOut">
               <a:rPr lang="en-US" smtClean="0"/>
               <a:pPr/>
-              <a:t>5/13/2021</a:t>
+              <a:t>12/14/2021</a:t>
             </a:fld>
             <a:endParaRPr lang="en-US" dirty="0"/>
           </a:p>
@@ -2450,7 +2450,7 @@
             <a:fld id="{5586B75A-687E-405C-8A0B-8D00578BA2C3}" type="datetimeFigureOut">
               <a:rPr lang="en-US" smtClean="0"/>
               <a:pPr/>
-              <a:t>5/13/2021</a:t>
+              <a:t>12/14/2021</a:t>
             </a:fld>
             <a:endParaRPr lang="en-US" dirty="0"/>
           </a:p>
@@ -2622,7 +2622,7 @@
           <a:p>
             <a:fld id="{5F4E5243-F52A-4D37-9694-EB26C6C31910}" type="datetimeFigureOut">
               <a:rPr lang="en-US" smtClean="0"/>
-              <a:t>5/13/2021</a:t>
+              <a:t>12/14/2021</a:t>
             </a:fld>
             <a:endParaRPr lang="en-US" dirty="0"/>
           </a:p>
@@ -2802,7 +2802,7 @@
           <a:p>
             <a:fld id="{3A77B6E1-634A-48DC-9E8B-D894023267EF}" type="datetimeFigureOut">
               <a:rPr lang="en-US" smtClean="0"/>
-              <a:t>5/13/2021</a:t>
+              <a:t>12/14/2021</a:t>
             </a:fld>
             <a:endParaRPr lang="en-US" dirty="0"/>
           </a:p>
@@ -2978,7 +2978,7 @@
           <a:p>
             <a:fld id="{7B2D3E9E-A95C-48F2-B4BF-A71542E0BE9A}" type="datetimeFigureOut">
               <a:rPr lang="en-US" smtClean="0"/>
-              <a:t>5/13/2021</a:t>
+              <a:t>12/14/2021</a:t>
             </a:fld>
             <a:endParaRPr lang="en-US" dirty="0"/>
           </a:p>
@@ -3226,7 +3226,7 @@
             <a:fld id="{5586B75A-687E-405C-8A0B-8D00578BA2C3}" type="datetimeFigureOut">
               <a:rPr lang="en-US" smtClean="0"/>
               <a:pPr/>
-              <a:t>5/13/2021</a:t>
+              <a:t>12/14/2021</a:t>
             </a:fld>
             <a:endParaRPr lang="en-US" dirty="0"/>
           </a:p>
@@ -3459,7 +3459,7 @@
           <a:p>
             <a:fld id="{F12952B5-7A2F-4CC8-B7CE-9234E21C2837}" type="datetimeFigureOut">
               <a:rPr lang="en-US" smtClean="0"/>
-              <a:t>5/13/2021</a:t>
+              <a:t>12/14/2021</a:t>
             </a:fld>
             <a:endParaRPr lang="en-US" dirty="0"/>
           </a:p>
@@ -3833,7 +3833,7 @@
           <a:p>
             <a:fld id="{CE1DA07A-9201-4B4B-BAF2-015AFA30F520}" type="datetimeFigureOut">
               <a:rPr lang="en-US" smtClean="0"/>
-              <a:t>5/13/2021</a:t>
+              <a:t>12/14/2021</a:t>
             </a:fld>
             <a:endParaRPr lang="en-US" dirty="0"/>
           </a:p>
@@ -3956,7 +3956,7 @@
           <a:p>
             <a:fld id="{73D7E00A-486F-4252-8B1D-E32645521F49}" type="datetimeFigureOut">
               <a:rPr lang="en-US" smtClean="0"/>
-              <a:t>5/13/2021</a:t>
+              <a:t>12/14/2021</a:t>
             </a:fld>
             <a:endParaRPr lang="en-US" dirty="0"/>
           </a:p>
@@ -4051,7 +4051,7 @@
           <a:p>
             <a:fld id="{8DDF5F92-E675-4B36-9A60-69A962A68675}" type="datetimeFigureOut">
               <a:rPr lang="en-US" smtClean="0"/>
-              <a:t>5/13/2021</a:t>
+              <a:t>12/14/2021</a:t>
             </a:fld>
             <a:endParaRPr lang="en-US" dirty="0"/>
           </a:p>
@@ -4306,7 +4306,7 @@
           <a:p>
             <a:fld id="{AF6E2C9B-5FA2-460D-9BE7-B0812FC2A6FF}" type="datetimeFigureOut">
               <a:rPr lang="en-US" smtClean="0"/>
-              <a:t>5/13/2021</a:t>
+              <a:t>12/14/2021</a:t>
             </a:fld>
             <a:endParaRPr lang="en-US" dirty="0"/>
           </a:p>
@@ -4571,7 +4571,7 @@
             <a:fld id="{5586B75A-687E-405C-8A0B-8D00578BA2C3}" type="datetimeFigureOut">
               <a:rPr lang="en-US" smtClean="0"/>
               <a:pPr/>
-              <a:t>5/13/2021</a:t>
+              <a:t>12/14/2021</a:t>
             </a:fld>
             <a:endParaRPr lang="en-US" dirty="0"/>
           </a:p>
@@ -5318,7 +5318,7 @@
             <a:fld id="{5586B75A-687E-405C-8A0B-8D00578BA2C3}" type="datetimeFigureOut">
               <a:rPr lang="en-US" smtClean="0"/>
               <a:pPr/>
-              <a:t>5/13/2021</a:t>
+              <a:t>12/14/2021</a:t>
             </a:fld>
             <a:endParaRPr lang="en-US" dirty="0"/>
           </a:p>
@@ -7999,38 +7999,22 @@
                   <a:srgbClr val="FFFFFF"/>
                 </a:solidFill>
               </a:rPr>
-              <a:t>Vyplňte formulář, který najdete na adrese</a:t>
-            </a:r>
-            <a:r>
+              <a:t>Vyplňte formulář, který najdete na adrese:</a:t>
+            </a:r>
+            <a:br>
               <a:rPr lang="cs-CZ" dirty="0">
                 <a:solidFill>
+                  <a:srgbClr val="FFFFFF"/>
+                </a:solidFill>
+              </a:rPr>
+            </a:br>
+            <a:r>
+              <a:rPr lang="cs-CZ" dirty="0">
+                <a:solidFill>
                   <a:srgbClr val="FFFF00"/>
                 </a:solidFill>
               </a:rPr>
-              <a:t> </a:t>
-            </a:r>
-            <a:r>
-              <a:rPr lang="cs-CZ" dirty="0">
-                <a:solidFill>
-                  <a:srgbClr val="FFFF00"/>
-                </a:solidFill>
-                <a:hlinkClick r:id="rId2">
-                  <a:extLst>
-                    <a:ext uri="{A12FA001-AC4F-418D-AE19-62706E023703}">
-                      <ahyp:hlinkClr xmlns:ahyp="http://schemas.microsoft.com/office/drawing/2018/hyperlinkcolor" val="tx"/>
-                    </a:ext>
-                  </a:extLst>
-                </a:hlinkClick>
-              </a:rPr>
-              <a:t>https://forms.gle/nr43fvw4NJfWwCMM8</a:t>
-            </a:r>
-            <a:r>
-              <a:rPr lang="cs-CZ" dirty="0">
-                <a:solidFill>
-                  <a:srgbClr val="FFFF00"/>
-                </a:solidFill>
-              </a:rPr>
-              <a:t> </a:t>
+              <a:t>https://forms.gle/FjgcLj8qjdmKbPii8</a:t>
             </a:r>
           </a:p>
         </p:txBody>
@@ -8122,15 +8106,20 @@
           <a:p>
             <a:r>
               <a:rPr lang="cs-CZ" dirty="0"/>
-              <a:t>V </a:t>
-            </a:r>
-            <a:r>
-              <a:rPr lang="cs-CZ" dirty="0" err="1"/>
-              <a:t>pracovníh</a:t>
+              <a:t>V pracovních skupinách vypracujte otázky ve formuláři:</a:t>
+            </a:r>
+          </a:p>
+          <a:p>
+            <a:pPr lvl="1"/>
+            <a:r>
+              <a:rPr lang="cs-CZ" dirty="0">
+                <a:hlinkClick r:id="rId2"/>
+              </a:rPr>
+              <a:t>https://forms.gle/KGRPcYHhLAsJwXqS6</a:t>
             </a:r>
             <a:r>
               <a:rPr lang="cs-CZ" dirty="0"/>
-              <a:t> skupinách vypracujte otázky ve formuláři, na který Vám nyní přijde odkaz v chatu…</a:t>
+              <a:t> </a:t>
             </a:r>
           </a:p>
         </p:txBody>

--- a/12-opakovani/cviceni-12.pptx
+++ b/12-opakovani/cviceni-12.pptx
@@ -843,7 +843,7 @@
             <a:fld id="{5586B75A-687E-405C-8A0B-8D00578BA2C3}" type="datetimeFigureOut">
               <a:rPr lang="en-US" smtClean="0"/>
               <a:pPr/>
-              <a:t>12/14/2021</a:t>
+              <a:t>12/11/2023</a:t>
             </a:fld>
             <a:endParaRPr lang="en-US" dirty="0"/>
           </a:p>
@@ -1096,7 +1096,7 @@
             <a:fld id="{5586B75A-687E-405C-8A0B-8D00578BA2C3}" type="datetimeFigureOut">
               <a:rPr lang="en-US" smtClean="0"/>
               <a:pPr/>
-              <a:t>12/14/2021</a:t>
+              <a:t>12/11/2023</a:t>
             </a:fld>
             <a:endParaRPr lang="en-US" dirty="0"/>
           </a:p>
@@ -1413,7 +1413,7 @@
             <a:fld id="{5586B75A-687E-405C-8A0B-8D00578BA2C3}" type="datetimeFigureOut">
               <a:rPr lang="en-US" smtClean="0"/>
               <a:pPr/>
-              <a:t>12/14/2021</a:t>
+              <a:t>12/11/2023</a:t>
             </a:fld>
             <a:endParaRPr lang="en-US" dirty="0"/>
           </a:p>
@@ -1743,7 +1743,7 @@
             <a:fld id="{5586B75A-687E-405C-8A0B-8D00578BA2C3}" type="datetimeFigureOut">
               <a:rPr lang="en-US" smtClean="0"/>
               <a:pPr/>
-              <a:t>12/14/2021</a:t>
+              <a:t>12/11/2023</a:t>
             </a:fld>
             <a:endParaRPr lang="en-US" dirty="0"/>
           </a:p>
@@ -2060,7 +2060,7 @@
             <a:fld id="{5586B75A-687E-405C-8A0B-8D00578BA2C3}" type="datetimeFigureOut">
               <a:rPr lang="en-US" smtClean="0"/>
               <a:pPr/>
-              <a:t>12/14/2021</a:t>
+              <a:t>12/11/2023</a:t>
             </a:fld>
             <a:endParaRPr lang="en-US" dirty="0"/>
           </a:p>
@@ -2450,7 +2450,7 @@
             <a:fld id="{5586B75A-687E-405C-8A0B-8D00578BA2C3}" type="datetimeFigureOut">
               <a:rPr lang="en-US" smtClean="0"/>
               <a:pPr/>
-              <a:t>12/14/2021</a:t>
+              <a:t>12/11/2023</a:t>
             </a:fld>
             <a:endParaRPr lang="en-US" dirty="0"/>
           </a:p>
@@ -2622,7 +2622,7 @@
           <a:p>
             <a:fld id="{5F4E5243-F52A-4D37-9694-EB26C6C31910}" type="datetimeFigureOut">
               <a:rPr lang="en-US" smtClean="0"/>
-              <a:t>12/14/2021</a:t>
+              <a:t>12/11/2023</a:t>
             </a:fld>
             <a:endParaRPr lang="en-US" dirty="0"/>
           </a:p>
@@ -2802,7 +2802,7 @@
           <a:p>
             <a:fld id="{3A77B6E1-634A-48DC-9E8B-D894023267EF}" type="datetimeFigureOut">
               <a:rPr lang="en-US" smtClean="0"/>
-              <a:t>12/14/2021</a:t>
+              <a:t>12/11/2023</a:t>
             </a:fld>
             <a:endParaRPr lang="en-US" dirty="0"/>
           </a:p>
@@ -2978,7 +2978,7 @@
           <a:p>
             <a:fld id="{7B2D3E9E-A95C-48F2-B4BF-A71542E0BE9A}" type="datetimeFigureOut">
               <a:rPr lang="en-US" smtClean="0"/>
-              <a:t>12/14/2021</a:t>
+              <a:t>12/11/2023</a:t>
             </a:fld>
             <a:endParaRPr lang="en-US" dirty="0"/>
           </a:p>
@@ -3226,7 +3226,7 @@
             <a:fld id="{5586B75A-687E-405C-8A0B-8D00578BA2C3}" type="datetimeFigureOut">
               <a:rPr lang="en-US" smtClean="0"/>
               <a:pPr/>
-              <a:t>12/14/2021</a:t>
+              <a:t>12/11/2023</a:t>
             </a:fld>
             <a:endParaRPr lang="en-US" dirty="0"/>
           </a:p>
@@ -3459,7 +3459,7 @@
           <a:p>
             <a:fld id="{F12952B5-7A2F-4CC8-B7CE-9234E21C2837}" type="datetimeFigureOut">
               <a:rPr lang="en-US" smtClean="0"/>
-              <a:t>12/14/2021</a:t>
+              <a:t>12/11/2023</a:t>
             </a:fld>
             <a:endParaRPr lang="en-US" dirty="0"/>
           </a:p>
@@ -3833,7 +3833,7 @@
           <a:p>
             <a:fld id="{CE1DA07A-9201-4B4B-BAF2-015AFA30F520}" type="datetimeFigureOut">
               <a:rPr lang="en-US" smtClean="0"/>
-              <a:t>12/14/2021</a:t>
+              <a:t>12/11/2023</a:t>
             </a:fld>
             <a:endParaRPr lang="en-US" dirty="0"/>
           </a:p>
@@ -3956,7 +3956,7 @@
           <a:p>
             <a:fld id="{73D7E00A-486F-4252-8B1D-E32645521F49}" type="datetimeFigureOut">
               <a:rPr lang="en-US" smtClean="0"/>
-              <a:t>12/14/2021</a:t>
+              <a:t>12/11/2023</a:t>
             </a:fld>
             <a:endParaRPr lang="en-US" dirty="0"/>
           </a:p>
@@ -4051,7 +4051,7 @@
           <a:p>
             <a:fld id="{8DDF5F92-E675-4B36-9A60-69A962A68675}" type="datetimeFigureOut">
               <a:rPr lang="en-US" smtClean="0"/>
-              <a:t>12/14/2021</a:t>
+              <a:t>12/11/2023</a:t>
             </a:fld>
             <a:endParaRPr lang="en-US" dirty="0"/>
           </a:p>
@@ -4306,7 +4306,7 @@
           <a:p>
             <a:fld id="{AF6E2C9B-5FA2-460D-9BE7-B0812FC2A6FF}" type="datetimeFigureOut">
               <a:rPr lang="en-US" smtClean="0"/>
-              <a:t>12/14/2021</a:t>
+              <a:t>12/11/2023</a:t>
             </a:fld>
             <a:endParaRPr lang="en-US" dirty="0"/>
           </a:p>
@@ -4571,7 +4571,7 @@
             <a:fld id="{5586B75A-687E-405C-8A0B-8D00578BA2C3}" type="datetimeFigureOut">
               <a:rPr lang="en-US" smtClean="0"/>
               <a:pPr/>
-              <a:t>12/14/2021</a:t>
+              <a:t>12/11/2023</a:t>
             </a:fld>
             <a:endParaRPr lang="en-US" dirty="0"/>
           </a:p>
@@ -5318,7 +5318,7 @@
             <a:fld id="{5586B75A-687E-405C-8A0B-8D00578BA2C3}" type="datetimeFigureOut">
               <a:rPr lang="en-US" smtClean="0"/>
               <a:pPr/>
-              <a:t>12/14/2021</a:t>
+              <a:t>12/11/2023</a:t>
             </a:fld>
             <a:endParaRPr lang="en-US" dirty="0"/>
           </a:p>
@@ -6442,6 +6442,13 @@
               <a:schemeClr val="lt1"/>
             </a:fontRef>
           </p:style>
+          <p:txBody>
+            <a:bodyPr/>
+            <a:lstStyle/>
+            <a:p>
+              <a:endParaRPr lang="cs-CZ"/>
+            </a:p>
+          </p:txBody>
         </p:sp>
         <p:sp>
           <p:nvSpPr>
@@ -6520,6 +6527,13 @@
               <a:schemeClr val="lt1"/>
             </a:fontRef>
           </p:style>
+          <p:txBody>
+            <a:bodyPr/>
+            <a:lstStyle/>
+            <a:p>
+              <a:endParaRPr lang="cs-CZ"/>
+            </a:p>
+          </p:txBody>
         </p:sp>
         <p:sp>
           <p:nvSpPr>
@@ -6576,6 +6590,13 @@
               <a:schemeClr val="lt1"/>
             </a:fontRef>
           </p:style>
+          <p:txBody>
+            <a:bodyPr/>
+            <a:lstStyle/>
+            <a:p>
+              <a:endParaRPr lang="cs-CZ"/>
+            </a:p>
+          </p:txBody>
         </p:sp>
         <p:sp>
           <p:nvSpPr>
@@ -6655,6 +6676,13 @@
               <a:schemeClr val="lt1"/>
             </a:fontRef>
           </p:style>
+          <p:txBody>
+            <a:bodyPr/>
+            <a:lstStyle/>
+            <a:p>
+              <a:endParaRPr lang="cs-CZ"/>
+            </a:p>
+          </p:txBody>
         </p:sp>
         <p:sp>
           <p:nvSpPr>
@@ -6735,6 +6763,13 @@
               <a:schemeClr val="lt1"/>
             </a:fontRef>
           </p:style>
+          <p:txBody>
+            <a:bodyPr/>
+            <a:lstStyle/>
+            <a:p>
+              <a:endParaRPr lang="cs-CZ"/>
+            </a:p>
+          </p:txBody>
         </p:sp>
         <p:sp>
           <p:nvSpPr>
@@ -6813,6 +6848,13 @@
               <a:schemeClr val="lt1"/>
             </a:fontRef>
           </p:style>
+          <p:txBody>
+            <a:bodyPr/>
+            <a:lstStyle/>
+            <a:p>
+              <a:endParaRPr lang="cs-CZ"/>
+            </a:p>
+          </p:txBody>
         </p:sp>
         <p:sp>
           <p:nvSpPr>
@@ -6869,6 +6911,13 @@
               <a:schemeClr val="lt1"/>
             </a:fontRef>
           </p:style>
+          <p:txBody>
+            <a:bodyPr/>
+            <a:lstStyle/>
+            <a:p>
+              <a:endParaRPr lang="cs-CZ"/>
+            </a:p>
+          </p:txBody>
         </p:sp>
         <p:sp>
           <p:nvSpPr>
@@ -6925,6 +6974,13 @@
               <a:schemeClr val="lt1"/>
             </a:fontRef>
           </p:style>
+          <p:txBody>
+            <a:bodyPr/>
+            <a:lstStyle/>
+            <a:p>
+              <a:endParaRPr lang="cs-CZ"/>
+            </a:p>
+          </p:txBody>
         </p:sp>
       </p:grpSp>
       <p:sp>
@@ -7430,6 +7486,13 @@
               <a:schemeClr val="lt1"/>
             </a:fontRef>
           </p:style>
+          <p:txBody>
+            <a:bodyPr/>
+            <a:lstStyle/>
+            <a:p>
+              <a:endParaRPr lang="cs-CZ"/>
+            </a:p>
+          </p:txBody>
         </p:sp>
         <p:sp>
           <p:nvSpPr>
@@ -7508,6 +7571,13 @@
               <a:schemeClr val="lt1"/>
             </a:fontRef>
           </p:style>
+          <p:txBody>
+            <a:bodyPr/>
+            <a:lstStyle/>
+            <a:p>
+              <a:endParaRPr lang="cs-CZ"/>
+            </a:p>
+          </p:txBody>
         </p:sp>
         <p:sp>
           <p:nvSpPr>
@@ -7564,6 +7634,13 @@
               <a:schemeClr val="lt1"/>
             </a:fontRef>
           </p:style>
+          <p:txBody>
+            <a:bodyPr/>
+            <a:lstStyle/>
+            <a:p>
+              <a:endParaRPr lang="cs-CZ"/>
+            </a:p>
+          </p:txBody>
         </p:sp>
         <p:sp>
           <p:nvSpPr>
@@ -7643,6 +7720,13 @@
               <a:schemeClr val="lt1"/>
             </a:fontRef>
           </p:style>
+          <p:txBody>
+            <a:bodyPr/>
+            <a:lstStyle/>
+            <a:p>
+              <a:endParaRPr lang="cs-CZ"/>
+            </a:p>
+          </p:txBody>
         </p:sp>
         <p:sp>
           <p:nvSpPr>
@@ -7723,6 +7807,13 @@
               <a:schemeClr val="lt1"/>
             </a:fontRef>
           </p:style>
+          <p:txBody>
+            <a:bodyPr/>
+            <a:lstStyle/>
+            <a:p>
+              <a:endParaRPr lang="cs-CZ"/>
+            </a:p>
+          </p:txBody>
         </p:sp>
         <p:sp>
           <p:nvSpPr>
@@ -7801,6 +7892,13 @@
               <a:schemeClr val="lt1"/>
             </a:fontRef>
           </p:style>
+          <p:txBody>
+            <a:bodyPr/>
+            <a:lstStyle/>
+            <a:p>
+              <a:endParaRPr lang="cs-CZ"/>
+            </a:p>
+          </p:txBody>
         </p:sp>
         <p:sp>
           <p:nvSpPr>
@@ -7857,6 +7955,13 @@
               <a:schemeClr val="lt1"/>
             </a:fontRef>
           </p:style>
+          <p:txBody>
+            <a:bodyPr/>
+            <a:lstStyle/>
+            <a:p>
+              <a:endParaRPr lang="cs-CZ"/>
+            </a:p>
+          </p:txBody>
         </p:sp>
         <p:sp>
           <p:nvSpPr>
@@ -7913,6 +8018,13 @@
               <a:schemeClr val="lt1"/>
             </a:fontRef>
           </p:style>
+          <p:txBody>
+            <a:bodyPr/>
+            <a:lstStyle/>
+            <a:p>
+              <a:endParaRPr lang="cs-CZ"/>
+            </a:p>
+          </p:txBody>
         </p:sp>
       </p:grpSp>
       <p:sp>
@@ -8014,7 +8126,7 @@
                   <a:srgbClr val="FFFF00"/>
                 </a:solidFill>
               </a:rPr>
-              <a:t>https://forms.gle/FjgcLj8qjdmKbPii8</a:t>
+              <a:t>https://forms.gle/V4DKaoRKhMzA2SCV8</a:t>
             </a:r>
           </a:p>
         </p:txBody>
@@ -8112,15 +8224,16 @@
           <a:p>
             <a:pPr lvl="1"/>
             <a:r>
-              <a:rPr lang="cs-CZ" dirty="0">
+              <a:rPr lang="cs-CZ">
                 <a:hlinkClick r:id="rId2"/>
               </a:rPr>
-              <a:t>https://forms.gle/KGRPcYHhLAsJwXqS6</a:t>
-            </a:r>
-            <a:r>
-              <a:rPr lang="cs-CZ" dirty="0"/>
-              <a:t> </a:t>
-            </a:r>
+              <a:t>https://forms.gle/1vVZXcTgajEUXcpK9</a:t>
+            </a:r>
+            <a:r>
+              <a:rPr lang="cs-CZ"/>
+              <a:t>  </a:t>
+            </a:r>
+            <a:endParaRPr lang="cs-CZ" dirty="0"/>
           </a:p>
         </p:txBody>
       </p:sp>
